--- a/lectures/intro.pptx
+++ b/lectures/intro.pptx
@@ -4132,6 +4132,12 @@
             <a:r>
               <a:rPr lang="en-US" dirty="0" smtClean="0"/>
               <a:t>Model interpretation (feature importance, partial dependence)</a:t>
+            </a:r>
+          </a:p>
+          <a:p>
+            <a:r>
+              <a:rPr lang="en-US" dirty="0" smtClean="0"/>
+              <a:t>k-means clustering</a:t>
             </a:r>
             <a:endParaRPr lang="en-US" dirty="0"/>
           </a:p>
